--- a/documentation/powerpointDemo.pptx
+++ b/documentation/powerpointDemo.pptx
@@ -106,6 +106,11 @@
       </a:defRPr>
     </a:lvl9pPr>
   </p:defaultTextStyle>
+  <p:extLst>
+    <p:ext uri="{EFAFB233-063F-42B5-8137-9DF3F51BA10A}">
+      <p15:sldGuideLst xmlns:p15="http://schemas.microsoft.com/office/powerpoint/2012/main"/>
+    </p:ext>
+  </p:extLst>
 </p:presentation>
 </file>
 
@@ -799,7 +804,7 @@
             <a:fld id="{D200B3F0-A9BC-48CE-8EB6-ECE965069900}" type="datetimeFigureOut">
               <a:rPr lang="en-US" dirty="0"/>
               <a:pPr/>
-              <a:t>10/23/2023</a:t>
+              <a:t>11/6/2023</a:t>
             </a:fld>
             <a:endParaRPr lang="en-US" dirty="0"/>
           </a:p>
@@ -1956,7 +1961,7 @@
           <a:p>
             <a:fld id="{3DF9FFFF-3106-4DDB-AA62-0C80862170D6}" type="datetimeFigureOut">
               <a:rPr lang="en-US" dirty="0"/>
-              <a:t>10/23/2023</a:t>
+              <a:t>11/6/2023</a:t>
             </a:fld>
             <a:endParaRPr lang="en-US" dirty="0"/>
           </a:p>
@@ -3006,7 +3011,7 @@
           <a:p>
             <a:fld id="{A3DA38B7-AE95-4DC8-9A51-7A71F545B098}" type="datetimeFigureOut">
               <a:rPr lang="en-US" dirty="0"/>
-              <a:t>10/23/2023</a:t>
+              <a:t>11/6/2023</a:t>
             </a:fld>
             <a:endParaRPr lang="en-US" dirty="0"/>
           </a:p>
@@ -4215,7 +4220,7 @@
           <a:p>
             <a:fld id="{86F1EC2B-8188-4AC2-9F0D-8D09C51D505A}" type="datetimeFigureOut">
               <a:rPr lang="en-US" dirty="0"/>
-              <a:t>10/23/2023</a:t>
+              <a:t>11/6/2023</a:t>
             </a:fld>
             <a:endParaRPr lang="en-US" dirty="0"/>
           </a:p>
@@ -5315,7 +5320,7 @@
           <a:p>
             <a:fld id="{9212B75E-944F-430B-BE5F-C69FA8823C04}" type="datetimeFigureOut">
               <a:rPr lang="en-US" dirty="0"/>
-              <a:t>10/23/2023</a:t>
+              <a:t>11/6/2023</a:t>
             </a:fld>
             <a:endParaRPr lang="en-US" dirty="0"/>
           </a:p>
@@ -5963,7 +5968,7 @@
           <a:p>
             <a:fld id="{79AE0DC7-7F53-471C-A711-B3DA6F2535F3}" type="datetimeFigureOut">
               <a:rPr lang="en-US" dirty="0"/>
-              <a:t>10/23/2023</a:t>
+              <a:t>11/6/2023</a:t>
             </a:fld>
             <a:endParaRPr lang="en-US" dirty="0"/>
           </a:p>
@@ -6806,7 +6811,7 @@
           <a:p>
             <a:fld id="{3C1F4C9D-4618-451D-80C1-6A376BB42AB4}" type="datetimeFigureOut">
               <a:rPr lang="en-US" dirty="0"/>
-              <a:t>10/23/2023</a:t>
+              <a:t>11/6/2023</a:t>
             </a:fld>
             <a:endParaRPr lang="en-US" dirty="0"/>
           </a:p>
@@ -6987,7 +6992,7 @@
           <a:p>
             <a:fld id="{F54D2318-CE40-42F6-962A-4C6D6CF697DB}" type="datetimeFigureOut">
               <a:rPr lang="en-US" dirty="0"/>
-              <a:t>10/23/2023</a:t>
+              <a:t>11/6/2023</a:t>
             </a:fld>
             <a:endParaRPr lang="en-US" dirty="0"/>
           </a:p>
@@ -8024,7 +8029,7 @@
           <a:p>
             <a:fld id="{0C476AC1-EB7F-4BEF-90D9-5764B50DAF8A}" type="datetimeFigureOut">
               <a:rPr lang="en-US" dirty="0"/>
-              <a:t>10/23/2023</a:t>
+              <a:t>11/6/2023</a:t>
             </a:fld>
             <a:endParaRPr lang="en-US" dirty="0"/>
           </a:p>
@@ -8236,7 +8241,7 @@
           <a:p>
             <a:fld id="{1B20712A-F861-4AB0-A754-4F5A2033CD4B}" type="datetimeFigureOut">
               <a:rPr lang="en-US" dirty="0"/>
-              <a:t>10/23/2023</a:t>
+              <a:t>11/6/2023</a:t>
             </a:fld>
             <a:endParaRPr lang="en-US" dirty="0"/>
           </a:p>
@@ -9337,7 +9342,7 @@
           <a:p>
             <a:fld id="{324507B7-F2DC-4B2C-B14D-58A9766807A2}" type="datetimeFigureOut">
               <a:rPr lang="en-US" dirty="0"/>
-              <a:t>10/23/2023</a:t>
+              <a:t>11/6/2023</a:t>
             </a:fld>
             <a:endParaRPr lang="en-US" dirty="0"/>
           </a:p>
@@ -9605,7 +9610,7 @@
           <a:p>
             <a:fld id="{904A483D-5CB4-4842-8F2F-05D5276ACF63}" type="datetimeFigureOut">
               <a:rPr lang="en-US" dirty="0"/>
-              <a:t>10/23/2023</a:t>
+              <a:t>11/6/2023</a:t>
             </a:fld>
             <a:endParaRPr lang="en-US" dirty="0"/>
           </a:p>
@@ -9983,7 +9988,7 @@
           <a:p>
             <a:fld id="{1D1CE32E-9DC0-47C8-A657-48F5C3E4A10B}" type="datetimeFigureOut">
               <a:rPr lang="en-US" dirty="0"/>
-              <a:t>10/23/2023</a:t>
+              <a:t>11/6/2023</a:t>
             </a:fld>
             <a:endParaRPr lang="en-US" dirty="0"/>
           </a:p>
@@ -10097,7 +10102,7 @@
           <a:p>
             <a:fld id="{2BDF5C0D-8C3A-4771-A43D-83937FC700D4}" type="datetimeFigureOut">
               <a:rPr lang="en-US" dirty="0"/>
-              <a:t>10/23/2023</a:t>
+              <a:t>11/6/2023</a:t>
             </a:fld>
             <a:endParaRPr lang="en-US" dirty="0"/>
           </a:p>
@@ -10188,7 +10193,7 @@
           <a:p>
             <a:fld id="{0203D2D6-FCC2-425A-A4A7-8058E8C01CB1}" type="datetimeFigureOut">
               <a:rPr lang="en-US" dirty="0"/>
-              <a:t>10/23/2023</a:t>
+              <a:t>11/6/2023</a:t>
             </a:fld>
             <a:endParaRPr lang="en-US" dirty="0"/>
           </a:p>
@@ -11336,7 +11341,7 @@
           <a:p>
             <a:fld id="{D8CF2683-E6E7-4CC3-9EEE-7854DD4F3545}" type="datetimeFigureOut">
               <a:rPr lang="en-US" dirty="0"/>
-              <a:t>10/23/2023</a:t>
+              <a:t>11/6/2023</a:t>
             </a:fld>
             <a:endParaRPr lang="en-US" dirty="0"/>
           </a:p>
@@ -12508,7 +12513,7 @@
           <a:p>
             <a:fld id="{7E120F81-B39D-4CBB-8BF3-5D6E395D0F72}" type="datetimeFigureOut">
               <a:rPr lang="en-US" dirty="0"/>
-              <a:t>10/23/2023</a:t>
+              <a:t>11/6/2023</a:t>
             </a:fld>
             <a:endParaRPr lang="en-US" dirty="0"/>
           </a:p>
@@ -13610,7 +13615,7 @@
           <a:p>
             <a:fld id="{564B320A-89BA-47B2-A525-92E8D10B06E4}" type="datetimeFigureOut">
               <a:rPr lang="en-US" dirty="0"/>
-              <a:t>10/23/2023</a:t>
+              <a:t>11/6/2023</a:t>
             </a:fld>
             <a:endParaRPr lang="en-US" dirty="0"/>
           </a:p>
@@ -14181,6 +14186,85 @@
           <a:bodyPr/>
           <a:lstStyle/>
           <a:p>
+            <a:r>
+              <a:rPr lang="nl-BE" b="1" cap="none" dirty="0">
+                <a:solidFill>
+                  <a:srgbClr val="252424"/>
+                </a:solidFill>
+                <a:latin typeface="inherit"/>
+                <a:cs typeface="Segoe UI" panose="020B0502040204020203" pitchFamily="34" charset="0"/>
+              </a:rPr>
+              <a:t>Ibe </a:t>
+            </a:r>
+            <a:r>
+              <a:rPr lang="nl-BE" b="1" cap="none" dirty="0" err="1">
+                <a:solidFill>
+                  <a:srgbClr val="252424"/>
+                </a:solidFill>
+                <a:latin typeface="inherit"/>
+                <a:cs typeface="Segoe UI" panose="020B0502040204020203" pitchFamily="34" charset="0"/>
+              </a:rPr>
+              <a:t>Packo</a:t>
+            </a:r>
+            <a:r>
+              <a:rPr lang="nl-BE" b="1" cap="none" dirty="0">
+                <a:solidFill>
+                  <a:srgbClr val="252424"/>
+                </a:solidFill>
+                <a:latin typeface="inherit"/>
+                <a:cs typeface="Segoe UI" panose="020B0502040204020203" pitchFamily="34" charset="0"/>
+              </a:rPr>
+              <a:t>, </a:t>
+            </a:r>
+            <a:r>
+              <a:rPr lang="nl-BE" altLang="nl-BE" b="1" cap="none" dirty="0">
+                <a:solidFill>
+                  <a:srgbClr val="252424"/>
+                </a:solidFill>
+                <a:latin typeface="inherit"/>
+                <a:cs typeface="Segoe UI" panose="020B0502040204020203" pitchFamily="34" charset="0"/>
+              </a:rPr>
+              <a:t>Robbe Verhelst, </a:t>
+            </a:r>
+            <a:r>
+              <a:rPr lang="nl-BE" b="1" cap="none" dirty="0">
+                <a:solidFill>
+                  <a:srgbClr val="252424"/>
+                </a:solidFill>
+                <a:latin typeface="inherit"/>
+                <a:cs typeface="Segoe UI" panose="020B0502040204020203" pitchFamily="34" charset="0"/>
+              </a:rPr>
+              <a:t>Xander Claessens</a:t>
+            </a:r>
+            <a:r>
+              <a:rPr lang="nl-BE" b="1" cap="none">
+                <a:solidFill>
+                  <a:srgbClr val="252424"/>
+                </a:solidFill>
+                <a:latin typeface="inherit"/>
+                <a:cs typeface="Segoe UI" panose="020B0502040204020203" pitchFamily="34" charset="0"/>
+              </a:rPr>
+              <a:t>, </a:t>
+            </a:r>
+            <a:r>
+              <a:rPr lang="nl-BE" altLang="nl-BE" b="1" cap="none">
+                <a:solidFill>
+                  <a:srgbClr val="252424"/>
+                </a:solidFill>
+                <a:latin typeface="inherit"/>
+                <a:cs typeface="Segoe UI" panose="020B0502040204020203" pitchFamily="34" charset="0"/>
+              </a:rPr>
+              <a:t>Gert De Craemere</a:t>
+            </a:r>
+            <a:endParaRPr lang="nl-BE" b="1" i="0" dirty="0">
+              <a:solidFill>
+                <a:srgbClr val="252424"/>
+              </a:solidFill>
+              <a:effectLst/>
+              <a:latin typeface="Segoe UI" panose="020B0502040204020203" pitchFamily="34" charset="0"/>
+            </a:endParaRPr>
+          </a:p>
+          <a:p>
             <a:endParaRPr lang="nl-BE" dirty="0"/>
           </a:p>
         </p:txBody>

--- a/documentation/powerpointDemo.pptx
+++ b/documentation/powerpointDemo.pptx
@@ -14234,20 +14234,10 @@
                 <a:latin typeface="inherit"/>
                 <a:cs typeface="Segoe UI" panose="020B0502040204020203" pitchFamily="34" charset="0"/>
               </a:rPr>
-              <a:t>Xander Claessens</a:t>
+              <a:t>Xander Claessens, </a:t>
             </a:r>
             <a:r>
-              <a:rPr lang="nl-BE" b="1" cap="none">
-                <a:solidFill>
-                  <a:srgbClr val="252424"/>
-                </a:solidFill>
-                <a:latin typeface="inherit"/>
-                <a:cs typeface="Segoe UI" panose="020B0502040204020203" pitchFamily="34" charset="0"/>
-              </a:rPr>
-              <a:t>, </a:t>
-            </a:r>
-            <a:r>
-              <a:rPr lang="nl-BE" altLang="nl-BE" b="1" cap="none">
+              <a:rPr lang="nl-BE" altLang="nl-BE" b="1" cap="none" dirty="0">
                 <a:solidFill>
                   <a:srgbClr val="252424"/>
                 </a:solidFill>
